--- a/curso data science aula regressão linear.pptx
+++ b/curso data science aula regressão linear.pptx
@@ -8266,15 +8266,106 @@
               </a:rPr>
               <a:t>x=</a:t>
             </a:r>
-          </a:p>
-          <a:p>
-            <a:pPr marL="0" indent="0">
-              <a:buNone/>
-            </a:pPr>
-            <a:endParaRPr lang="en-US" dirty="0">
+            <a:r>
+              <a:rPr lang="en-US" b="0" dirty="0" err="1">
+                <a:solidFill>
+                  <a:srgbClr val="000000"/>
+                </a:solidFill>
+                <a:effectLst/>
+                <a:latin typeface="Courier New" panose="02070309020205020404" pitchFamily="49" charset="0"/>
+              </a:rPr>
+              <a:t>df</a:t>
+            </a:r>
+            <a:r>
+              <a:rPr lang="pt-BR" b="0" dirty="0">
+                <a:solidFill>
+                  <a:srgbClr val="000000"/>
+                </a:solidFill>
+                <a:effectLst/>
+                <a:latin typeface="Courier New" panose="02070309020205020404" pitchFamily="49" charset="0"/>
+              </a:rPr>
+              <a:t>[</a:t>
+            </a:r>
+            <a:r>
+              <a:rPr lang="pt-BR" b="0" dirty="0">
+                <a:solidFill>
+                  <a:srgbClr val="098156"/>
+                </a:solidFill>
+                <a:effectLst/>
+                <a:latin typeface="Courier New" panose="02070309020205020404" pitchFamily="49" charset="0"/>
+              </a:rPr>
+              <a:t>‘coluna’</a:t>
+            </a:r>
+            <a:r>
+              <a:rPr lang="pt-BR" b="0" dirty="0">
+                <a:solidFill>
+                  <a:srgbClr val="000000"/>
+                </a:solidFill>
+                <a:effectLst/>
+                <a:latin typeface="Courier New" panose="02070309020205020404" pitchFamily="49" charset="0"/>
+              </a:rPr>
+              <a:t>]ou </a:t>
+            </a:r>
+            <a:r>
+              <a:rPr lang="en-US" b="0" dirty="0">
+                <a:solidFill>
+                  <a:srgbClr val="000000"/>
+                </a:solidFill>
+                <a:effectLst/>
+                <a:latin typeface="Courier New" panose="02070309020205020404" pitchFamily="49" charset="0"/>
+              </a:rPr>
+              <a:t>x=</a:t>
+            </a:r>
+            <a:r>
+              <a:rPr lang="en-US" b="0" dirty="0" err="1">
+                <a:solidFill>
+                  <a:srgbClr val="000000"/>
+                </a:solidFill>
+                <a:effectLst/>
+                <a:latin typeface="Courier New" panose="02070309020205020404" pitchFamily="49" charset="0"/>
+              </a:rPr>
+              <a:t>df</a:t>
+            </a:r>
+            <a:r>
+              <a:rPr lang="pt-BR" b="0" dirty="0">
+                <a:solidFill>
+                  <a:srgbClr val="000000"/>
+                </a:solidFill>
+                <a:effectLst/>
+                <a:latin typeface="Courier New" panose="02070309020205020404" pitchFamily="49" charset="0"/>
+              </a:rPr>
+              <a:t>[[</a:t>
+            </a:r>
+            <a:r>
+              <a:rPr lang="pt-BR" b="0" dirty="0">
+                <a:solidFill>
+                  <a:srgbClr val="098156"/>
+                </a:solidFill>
+                <a:effectLst/>
+                <a:latin typeface="Courier New" panose="02070309020205020404" pitchFamily="49" charset="0"/>
+              </a:rPr>
+              <a:t>‘coluna1’,’coluna2’</a:t>
+            </a:r>
+            <a:r>
+              <a:rPr lang="pt-BR" b="0" dirty="0">
+                <a:solidFill>
+                  <a:srgbClr val="000000"/>
+                </a:solidFill>
+                <a:effectLst/>
+                <a:latin typeface="Courier New" panose="02070309020205020404" pitchFamily="49" charset="0"/>
+              </a:rPr>
+              <a:t>]]</a:t>
+            </a:r>
+          </a:p>
+          <a:p>
+            <a:pPr marL="0" indent="0">
+              <a:buNone/>
+            </a:pPr>
+            <a:endParaRPr lang="pt-BR" b="0" dirty="0">
               <a:solidFill>
                 <a:srgbClr val="000000"/>
               </a:solidFill>
+              <a:effectLst/>
               <a:latin typeface="Courier New" panose="02070309020205020404" pitchFamily="49" charset="0"/>
             </a:endParaRPr>
           </a:p>
@@ -8282,10 +8373,11 @@
             <a:pPr marL="0" indent="0">
               <a:buNone/>
             </a:pPr>
-            <a:endParaRPr lang="en-US" b="1" dirty="0">
+            <a:endParaRPr lang="en-US" b="0" dirty="0">
               <a:solidFill>
                 <a:srgbClr val="000000"/>
               </a:solidFill>
+              <a:effectLst/>
               <a:latin typeface="Courier New" panose="02070309020205020404" pitchFamily="49" charset="0"/>
             </a:endParaRPr>
           </a:p>
@@ -8335,6 +8427,35 @@
               <a:buNone/>
             </a:pPr>
             <a:r>
+              <a:rPr lang="en-US" dirty="0">
+                <a:solidFill>
+                  <a:srgbClr val="000000"/>
+                </a:solidFill>
+                <a:latin typeface="Courier New" panose="02070309020205020404" pitchFamily="49" charset="0"/>
+              </a:rPr>
+              <a:t>y</a:t>
+            </a:r>
+            <a:r>
+              <a:rPr lang="en-US" b="0" dirty="0">
+                <a:solidFill>
+                  <a:srgbClr val="000000"/>
+                </a:solidFill>
+                <a:effectLst/>
+                <a:latin typeface="Courier New" panose="02070309020205020404" pitchFamily="49" charset="0"/>
+              </a:rPr>
+              <a:t>=</a:t>
+            </a:r>
+            <a:r>
+              <a:rPr lang="en-US" b="0" dirty="0" err="1">
+                <a:solidFill>
+                  <a:srgbClr val="000000"/>
+                </a:solidFill>
+                <a:effectLst/>
+                <a:latin typeface="Courier New" panose="02070309020205020404" pitchFamily="49" charset="0"/>
+              </a:rPr>
+              <a:t>df</a:t>
+            </a:r>
+            <a:r>
               <a:rPr lang="pt-BR" b="0" dirty="0">
                 <a:solidFill>
                   <a:srgbClr val="000000"/>
@@ -8342,15 +8463,28 @@
                 <a:effectLst/>
                 <a:latin typeface="Courier New" panose="02070309020205020404" pitchFamily="49" charset="0"/>
               </a:rPr>
-              <a:t>y=</a:t>
-            </a:r>
-            <a:endParaRPr lang="en-US" b="0" dirty="0">
-              <a:solidFill>
-                <a:srgbClr val="000000"/>
-              </a:solidFill>
-              <a:effectLst/>
-              <a:latin typeface="Courier New" panose="02070309020205020404" pitchFamily="49" charset="0"/>
-            </a:endParaRPr>
+              <a:t>[</a:t>
+            </a:r>
+            <a:r>
+              <a:rPr lang="pt-BR" b="0" dirty="0">
+                <a:solidFill>
+                  <a:srgbClr val="098156"/>
+                </a:solidFill>
+                <a:effectLst/>
+                <a:latin typeface="Courier New" panose="02070309020205020404" pitchFamily="49" charset="0"/>
+              </a:rPr>
+              <a:t>‘coluna’</a:t>
+            </a:r>
+            <a:r>
+              <a:rPr lang="pt-BR" b="0" dirty="0">
+                <a:solidFill>
+                  <a:srgbClr val="000000"/>
+                </a:solidFill>
+                <a:effectLst/>
+                <a:latin typeface="Courier New" panose="02070309020205020404" pitchFamily="49" charset="0"/>
+              </a:rPr>
+              <a:t>]</a:t>
+            </a:r>
           </a:p>
           <a:p>
             <a:endParaRPr lang="pt-BR" dirty="0"/>
@@ -8981,7 +9115,7 @@
             </a:r>
             <a:r>
               <a:rPr lang="pt-BR" dirty="0" err="1"/>
-              <a:t>accuracy_score</a:t>
+              <a:t>mean_squared_error</a:t>
             </a:r>
             <a:endParaRPr lang="pt-BR" dirty="0"/>
           </a:p>
@@ -9024,11 +9158,11 @@
             </a:r>
             <a:r>
               <a:rPr lang="pt-BR" dirty="0"/>
-              <a:t> = </a:t>
+              <a:t> =   </a:t>
             </a:r>
             <a:r>
               <a:rPr lang="pt-BR" dirty="0" err="1"/>
-              <a:t>accuracy_score</a:t>
+              <a:t>mean_squared_error</a:t>
             </a:r>
             <a:r>
               <a:rPr lang="pt-BR" dirty="0"/>
@@ -9043,55 +9177,10 @@
               <a:t>, </a:t>
             </a:r>
             <a:r>
-              <a:rPr lang="pt-BR" dirty="0" err="1"/>
-              <a:t>y_predicao</a:t>
-            </a:r>
-            <a:r>
-              <a:rPr lang="pt-BR" dirty="0"/>
-              <a:t>) * 100</a:t>
-            </a:r>
-          </a:p>
-          <a:p>
-            <a:pPr marL="0" indent="0">
-              <a:buNone/>
-            </a:pPr>
-            <a:r>
-              <a:rPr lang="pt-BR" dirty="0"/>
-              <a:t>print ("A acurácia na média para o conjunto de 184 dados foi de {:.2f}%.".</a:t>
-            </a:r>
-            <a:r>
-              <a:rPr lang="pt-BR" dirty="0" err="1"/>
-              <a:t>format</a:t>
-            </a:r>
-            <a:r>
-              <a:rPr lang="pt-BR" dirty="0"/>
-              <a:t>(</a:t>
-            </a:r>
-            <a:r>
-              <a:rPr lang="pt-BR" dirty="0" err="1"/>
-              <a:t>acuracia</a:t>
-            </a:r>
-            <a:r>
-              <a:rPr lang="pt-BR" dirty="0"/>
-              <a:t>))</a:t>
-            </a:r>
-          </a:p>
-          <a:p>
-            <a:pPr marL="0" indent="0">
-              <a:buNone/>
-            </a:pPr>
-            <a:r>
-              <a:rPr lang="pt-BR" dirty="0"/>
-              <a:t>print (</a:t>
-            </a:r>
-            <a:r>
-              <a:rPr lang="pt-BR" dirty="0" err="1"/>
-              <a:t>f"A</a:t>
-            </a:r>
-            <a:r>
-              <a:rPr lang="pt-BR" dirty="0"/>
-              <a:t> acurácia na média para o conjunto de 184 dados foi de {acuracia:.2f}")</a:t>
-            </a:r>
+              <a:rPr lang="pt-BR"/>
+              <a:t>y_predicao)</a:t>
+            </a:r>
+            <a:endParaRPr lang="pt-BR" dirty="0"/>
           </a:p>
           <a:p>
             <a:pPr marL="0" indent="0">
@@ -9379,7 +9468,7 @@
           <a:lstStyle/>
           <a:p>
             <a:r>
-              <a:rPr lang="pt-BR"/>
+              <a:rPr lang="pt-BR" dirty="0"/>
               <a:t>FIM:</a:t>
             </a:r>
           </a:p>
